--- a/my-presentation.pptx
+++ b/my-presentation.pptx
@@ -7,9 +7,10 @@
   <p:sldIdLst>
     <p:sldId id="256" r:id="rId2"/>
     <p:sldId id="257" r:id="rId3"/>
+    <p:sldId id="258" r:id="rId4"/>
   </p:sldIdLst>
   <p:notesMasterIdLst>
-    <p:notesMasterId r:id="rId4"/>
+    <p:notesMasterId r:id="rId5"/>
   </p:notesMasterIdLst>
   <p:sldSz cx="9144000" cy="5143500"/>
   <p:notesSz cx="5143500" cy="9144000"/>
@@ -108,7 +109,7 @@
 </p:presentation>
 </file>
 
-<file path=ppt/charts/chart1.xml><?xml version="1.0" encoding="utf-8"?>
+<file path=ppt/charts/chart4.xml><?xml version="1.0" encoding="utf-8"?>
 <c:chartSpace xmlns:c="http://schemas.openxmlformats.org/drawingml/2006/chart" xmlns:a="http://schemas.openxmlformats.org/drawingml/2006/main" xmlns:r="http://schemas.openxmlformats.org/officeDocument/2006/relationships">
   <c:date1904 val="0"/>
   <c:roundedCorners val="1"/>
@@ -442,48 +443,12 @@
 </c:chartSpace>
 </file>
 
-<file path=ppt/charts/chart2.xml><?xml version="1.0" encoding="utf-8"?>
+<file path=ppt/charts/chart5.xml><?xml version="1.0" encoding="utf-8"?>
 <c:chartSpace xmlns:c="http://schemas.openxmlformats.org/drawingml/2006/chart" xmlns:a="http://schemas.openxmlformats.org/drawingml/2006/main" xmlns:r="http://schemas.openxmlformats.org/officeDocument/2006/relationships">
   <c:date1904 val="0"/>
   <c:roundedCorners val="1"/>
   <c:chart>
-    <c:title>
-      <c:tx>
-        <c:rich>
-          <a:bodyPr/>
-          <a:lstStyle/>
-          <a:p>
-            <a:pPr>
-              <a:defRPr sz="1000" b="0" i="0" u="none" strike="noStrike">
-                <a:solidFill>
-                  <a:srgbClr val="000000"/>
-                </a:solidFill>
-                <a:latin typeface="Arial"/>
-              </a:defRPr>
-            </a:pPr>
-            <a:r>
-              <a:rPr sz="1000" b="0" i="0" u="none" strike="noStrike">
-                <a:solidFill>
-                  <a:srgbClr val="000000"/>
-                </a:solidFill>
-                <a:latin typeface="Arial"/>
-              </a:rPr>
-              <a:t>5 Year LDoS value (product $ LP)</a:t>
-            </a:r>
-          </a:p>
-        </c:rich>
-      </c:tx>
-      <c:layout>
-        <c:manualLayout>
-          <c:xMode val="edge"/>
-          <c:yMode val="edge"/>
-          <c:x val="0.06050000000000001"/>
-          <c:y val="0.045"/>
-        </c:manualLayout>
-      </c:layout>
-      <c:overlay val="0"/>
-    </c:title>
-    <c:autoTitleDeleted val="0"/>
+    <c:autoTitleDeleted val="1"/>
     <c:plotArea>
       <c:layout/>
       <c:barChart>
@@ -506,7 +471,7 @@
           </c:tx>
           <c:spPr>
             <a:solidFill>
-              <a:srgbClr val="90EE90"/>
+              <a:srgbClr val="8B0000"/>
             </a:solidFill>
             <a:effectLst/>
           </c:spPr>
@@ -518,7 +483,7 @@
               <a:lstStyle/>
               <a:p>
                 <a:pPr>
-                  <a:defRPr b="0" i="0" strike="noStrike" sz="1200" u="none">
+                  <a:defRPr b="0" i="0" strike="noStrike" sz="500" u="none">
                     <a:solidFill>
                       <a:srgbClr val="000000"/>
                     </a:solidFill>
@@ -528,7 +493,7 @@
               </a:p>
             </c:txPr>
             <c:showLegendKey val="0"/>
-            <c:showVal val="0"/>
+            <c:showVal val="1"/>
             <c:showCatName val="0"/>
             <c:showSerName val="0"/>
             <c:showPercent val="0"/>
@@ -542,13 +507,13 @@
                 <c:ptCount val="3"/>
                 <c:lvl>
                   <c:pt idx="0">
-                    <c:v>2021</c:v>
+                    <c:v>No of EndDates</c:v>
                   </c:pt>
                   <c:pt idx="1">
-                    <c:v>2022</c:v>
+                    <c:v>No of Service levels</c:v>
                   </c:pt>
                   <c:pt idx="2">
-                    <c:v>2023</c:v>
+                    <c:v>No of  Service partners</c:v>
                   </c:pt>
                 </c:lvl>
               </c:multiLvlStrCache>
@@ -561,13 +526,13 @@
                 <c:formatCode>General</c:formatCode>
                 <c:ptCount val="3"/>
                 <c:pt idx="0">
-                  <c:v>1.5</c:v>
+                  <c:v>20</c:v>
                 </c:pt>
                 <c:pt idx="1">
-                  <c:v>2</c:v>
+                  <c:v>8</c:v>
                 </c:pt>
                 <c:pt idx="2">
-                  <c:v>1.4</c:v>
+                  <c:v>2</c:v>
                 </c:pt>
               </c:numCache>
             </c:numRef>
@@ -580,7 +545,7 @@
             <a:lstStyle/>
             <a:p>
               <a:pPr>
-                <a:defRPr b="0" i="0" strike="noStrike" sz="1200" u="none">
+                <a:defRPr b="0" i="0" strike="noStrike" sz="500" u="none">
                   <a:solidFill>
                     <a:srgbClr val="000000"/>
                   </a:solidFill>
@@ -590,7 +555,7 @@
             </a:p>
           </c:txPr>
           <c:showLegendKey val="0"/>
-          <c:showVal val="0"/>
+          <c:showVal val="1"/>
           <c:showCatName val="0"/>
           <c:showSerName val="0"/>
           <c:showPercent val="0"/>
@@ -610,35 +575,6 @@
         </c:scaling>
         <c:delete val="0"/>
         <c:axPos val="l"/>
-        <c:title>
-          <c:tx>
-            <c:rich>
-              <a:bodyPr/>
-              <a:lstStyle/>
-              <a:p>
-                <a:pPr>
-                  <a:defRPr sz="1000" b="0" i="0" u="none" strike="noStrike">
-                    <a:solidFill>
-                      <a:srgbClr val="000000"/>
-                    </a:solidFill>
-                    <a:latin typeface="Arial"/>
-                  </a:defRPr>
-                </a:pPr>
-                <a:r>
-                  <a:rPr sz="1000" b="0" i="0" u="none" strike="noStrike">
-                    <a:solidFill>
-                      <a:srgbClr val="000000"/>
-                    </a:solidFill>
-                    <a:latin typeface="Arial"/>
-                  </a:rPr>
-                  <a:t>Years</a:t>
-                </a:r>
-              </a:p>
-            </c:rich>
-          </c:tx>
-          <c:layout/>
-          <c:overlay val="0"/>
-        </c:title>
         <c:numFmt formatCode="General" sourceLinked="1"/>
         <c:majorTickMark val="out"/>
         <c:minorTickMark val="none"/>
@@ -678,7 +614,7 @@
         <c:scaling>
           <c:orientation val="minMax"/>
         </c:scaling>
-        <c:delete val="0"/>
+        <c:delete val="1"/>
         <c:axPos val="b"/>
         <c:majorGridlines>
           <c:spPr>
@@ -691,35 +627,6 @@
             </a:ln>
           </c:spPr>
         </c:majorGridlines>
-        <c:title>
-          <c:tx>
-            <c:rich>
-              <a:bodyPr/>
-              <a:lstStyle/>
-              <a:p>
-                <a:pPr>
-                  <a:defRPr sz="1000" b="0" i="0" u="none" strike="noStrike">
-                    <a:solidFill>
-                      <a:srgbClr val="000000"/>
-                    </a:solidFill>
-                    <a:latin typeface="Arial"/>
-                  </a:defRPr>
-                </a:pPr>
-                <a:r>
-                  <a:rPr sz="1000" b="0" i="0" u="none" strike="noStrike">
-                    <a:solidFill>
-                      <a:srgbClr val="000000"/>
-                    </a:solidFill>
-                    <a:latin typeface="Arial"/>
-                  </a:rPr>
-                  <a:t>Millions</a:t>
-                </a:r>
-              </a:p>
-            </c:rich>
-          </c:tx>
-          <c:layout/>
-          <c:overlay val="0"/>
-        </c:title>
         <c:numFmt formatCode="General" sourceLinked="0"/>
         <c:majorTickMark val="out"/>
         <c:minorTickMark val="none"/>
@@ -765,6 +672,338 @@
   </c:chart>
   <c:spPr>
     <a:noFill/>
+    <a:ln>
+      <a:noFill/>
+    </a:ln>
+    <a:effectLst/>
+  </c:spPr>
+  <c:externalData r:id="rId1">
+    <c:autoUpdate val="0"/>
+  </c:externalData>
+</c:chartSpace>
+</file>
+
+<file path=ppt/charts/chart6.xml><?xml version="1.0" encoding="utf-8"?>
+<c:chartSpace xmlns:c="http://schemas.openxmlformats.org/drawingml/2006/chart" xmlns:a="http://schemas.openxmlformats.org/drawingml/2006/main" xmlns:r="http://schemas.openxmlformats.org/officeDocument/2006/relationships">
+  <c:date1904 val="0"/>
+  <c:roundedCorners val="1"/>
+  <c:chart>
+    <c:title>
+      <c:tx>
+        <c:rich>
+          <a:bodyPr/>
+          <a:lstStyle/>
+          <a:p>
+            <a:pPr>
+              <a:defRPr sz="1000" b="0" i="0" u="none" strike="noStrike">
+                <a:solidFill>
+                  <a:srgbClr val="000000"/>
+                </a:solidFill>
+                <a:latin typeface="Helvetica Neue"/>
+              </a:defRPr>
+            </a:pPr>
+            <a:r>
+              <a:rPr sz="1000" b="0" i="0" u="none" strike="noStrike">
+                <a:solidFill>
+                  <a:srgbClr val="000000"/>
+                </a:solidFill>
+                <a:latin typeface="Helvetica Neue"/>
+              </a:rPr>
+              <a:t>Renewal: Current FQ+ next 3 FQs Default Service List</a:t>
+            </a:r>
+          </a:p>
+        </c:rich>
+      </c:tx>
+      <c:layout/>
+      <c:overlay val="0"/>
+    </c:title>
+    <c:autoTitleDeleted val="0"/>
+    <c:plotArea>
+      <c:layout/>
+      <c:pieChart>
+        <c:varyColors val="1"/>
+        <c:ser>
+          <c:idx val="0"/>
+          <c:order val="0"/>
+          <c:tx>
+            <c:strRef>
+              <c:f>Sheet1!$B$1</c:f>
+              <c:strCache>
+                <c:ptCount val="1"/>
+                <c:pt idx="0">
+                  <c:v>Renewal: Current FQ+ next 3 FQs Default Service List</c:v>
+                </c:pt>
+              </c:strCache>
+            </c:strRef>
+          </c:tx>
+          <c:spPr>
+            <a:solidFill>
+              <a:schemeClr val="accent1"/>
+            </a:solidFill>
+            <a:ln w="9525" cap="flat">
+              <a:solidFill>
+                <a:srgbClr val="F9F9F9"/>
+              </a:solidFill>
+              <a:prstDash val="solid"/>
+              <a:round/>
+            </a:ln>
+            <a:effectLst/>
+          </c:spPr>
+          <c:dPt>
+            <c:idx val="0"/>
+            <c:bubble3D val="0"/>
+            <c:spPr>
+              <a:solidFill>
+                <a:srgbClr val="FF0000"/>
+              </a:solidFill>
+              <a:ln w="25400" cap="flat">
+                <a:solidFill>
+                  <a:srgbClr val="F1F1F1"/>
+                </a:solidFill>
+                <a:prstDash val="solid"/>
+                <a:round/>
+              </a:ln>
+              <a:effectLst/>
+            </c:spPr>
+          </c:dPt>
+          <c:dPt>
+            <c:idx val="1"/>
+            <c:bubble3D val="0"/>
+            <c:spPr>
+              <a:solidFill>
+                <a:srgbClr val="F2AF00"/>
+              </a:solidFill>
+              <a:ln w="25400" cap="flat">
+                <a:solidFill>
+                  <a:srgbClr val="F1F1F1"/>
+                </a:solidFill>
+                <a:prstDash val="solid"/>
+                <a:round/>
+              </a:ln>
+              <a:effectLst/>
+            </c:spPr>
+          </c:dPt>
+          <c:dPt>
+            <c:idx val="2"/>
+            <c:bubble3D val="0"/>
+            <c:spPr>
+              <a:solidFill>
+                <a:srgbClr val="7AB800"/>
+              </a:solidFill>
+              <a:ln w="25400" cap="flat">
+                <a:solidFill>
+                  <a:srgbClr val="F1F1F1"/>
+                </a:solidFill>
+                <a:prstDash val="solid"/>
+                <a:round/>
+              </a:ln>
+              <a:effectLst/>
+            </c:spPr>
+          </c:dPt>
+          <c:dPt>
+            <c:idx val="3"/>
+            <c:bubble3D val="0"/>
+            <c:spPr>
+              <a:solidFill>
+                <a:srgbClr val="4472C4"/>
+              </a:solidFill>
+              <a:ln w="25400" cap="flat">
+                <a:solidFill>
+                  <a:srgbClr val="F1F1F1"/>
+                </a:solidFill>
+                <a:prstDash val="solid"/>
+                <a:round/>
+              </a:ln>
+              <a:effectLst/>
+            </c:spPr>
+          </c:dPt>
+          <c:dLbls>
+            <c:dLbl>
+              <c:idx val="0"/>
+              <c:numFmt formatCode="0%" sourceLinked="0"/>
+              <c:spPr/>
+              <c:txPr>
+                <a:bodyPr/>
+                <a:lstStyle/>
+                <a:p>
+                  <a:pPr>
+                    <a:defRPr sz="1000" b="0" i="0" u="none" strike="noStrike">
+                      <a:solidFill>
+                        <a:srgbClr val="FFFFFF"/>
+                      </a:solidFill>
+                      <a:latin typeface="Arial"/>
+                    </a:defRPr>
+                  </a:pPr>
+                </a:p>
+              </c:txPr>
+              <c:showLegendKey val="0"/>
+              <c:showVal val="0"/>
+              <c:showCatName val="0"/>
+              <c:showSerName val="0"/>
+              <c:showPercent val="1"/>
+              <c:showBubbleSize val="0"/>
+            </c:dLbl>
+            <c:dLbl>
+              <c:idx val="1"/>
+              <c:numFmt formatCode="0%" sourceLinked="0"/>
+              <c:spPr/>
+              <c:txPr>
+                <a:bodyPr/>
+                <a:lstStyle/>
+                <a:p>
+                  <a:pPr>
+                    <a:defRPr sz="1000" b="0" i="0" u="none" strike="noStrike">
+                      <a:solidFill>
+                        <a:srgbClr val="FFFFFF"/>
+                      </a:solidFill>
+                      <a:latin typeface="Arial"/>
+                    </a:defRPr>
+                  </a:pPr>
+                </a:p>
+              </c:txPr>
+              <c:showLegendKey val="0"/>
+              <c:showVal val="0"/>
+              <c:showCatName val="0"/>
+              <c:showSerName val="0"/>
+              <c:showPercent val="1"/>
+              <c:showBubbleSize val="0"/>
+            </c:dLbl>
+            <c:dLbl>
+              <c:idx val="2"/>
+              <c:numFmt formatCode="0%" sourceLinked="0"/>
+              <c:spPr/>
+              <c:txPr>
+                <a:bodyPr/>
+                <a:lstStyle/>
+                <a:p>
+                  <a:pPr>
+                    <a:defRPr sz="1000" b="0" i="0" u="none" strike="noStrike">
+                      <a:solidFill>
+                        <a:srgbClr val="FFFFFF"/>
+                      </a:solidFill>
+                      <a:latin typeface="Arial"/>
+                    </a:defRPr>
+                  </a:pPr>
+                </a:p>
+              </c:txPr>
+              <c:showLegendKey val="0"/>
+              <c:showVal val="0"/>
+              <c:showCatName val="0"/>
+              <c:showSerName val="0"/>
+              <c:showPercent val="1"/>
+              <c:showBubbleSize val="0"/>
+            </c:dLbl>
+            <c:dLbl>
+              <c:idx val="3"/>
+              <c:numFmt formatCode="0%" sourceLinked="0"/>
+              <c:spPr/>
+              <c:txPr>
+                <a:bodyPr/>
+                <a:lstStyle/>
+                <a:p>
+                  <a:pPr>
+                    <a:defRPr sz="1000" b="0" i="0" u="none" strike="noStrike">
+                      <a:solidFill>
+                        <a:srgbClr val="FFFFFF"/>
+                      </a:solidFill>
+                      <a:latin typeface="Arial"/>
+                    </a:defRPr>
+                  </a:pPr>
+                </a:p>
+              </c:txPr>
+              <c:showLegendKey val="0"/>
+              <c:showVal val="0"/>
+              <c:showCatName val="0"/>
+              <c:showSerName val="0"/>
+              <c:showPercent val="1"/>
+              <c:showBubbleSize val="0"/>
+            </c:dLbl>
+            <c:numFmt formatCode="0%" sourceLinked="0"/>
+            <c:txPr>
+              <a:bodyPr/>
+              <a:lstStyle/>
+              <a:p>
+                <a:pPr>
+                  <a:defRPr sz="1800" b="0" i="0" u="none" strike="noStrike">
+                    <a:solidFill>
+                      <a:srgbClr val="000000"/>
+                    </a:solidFill>
+                    <a:latin typeface="Arial"/>
+                  </a:defRPr>
+                </a:pPr>
+              </a:p>
+            </c:txPr>
+            <c:dLblPos val="ctr"/>
+            <c:showLegendKey val="0"/>
+            <c:showVal val="0"/>
+            <c:showCatName val="1"/>
+            <c:showSerName val="0"/>
+            <c:showPercent val="1"/>
+            <c:showBubbleSize val="0"/>
+            <c:showLeaderLines val="0"/>
+          </c:dLbls>
+          <c:cat>
+            <c:strRef>
+              <c:f>Sheet1!$A$2:$A$5</c:f>
+              <c:strCache>
+                <c:ptCount val="4"/>
+                <c:pt idx="0">
+                  <c:v>Q4 2023</c:v>
+                </c:pt>
+                <c:pt idx="1">
+                  <c:v>Q1 2024</c:v>
+                </c:pt>
+                <c:pt idx="2">
+                  <c:v>Q2 2024</c:v>
+                </c:pt>
+                <c:pt idx="3">
+                  <c:v>Q2 2024</c:v>
+                </c:pt>
+              </c:strCache>
+            </c:strRef>
+          </c:cat>
+          <c:val>
+            <c:numRef>
+              <c:f>Sheet1!$B$2:$B$5</c:f>
+              <c:numCache>
+                <c:ptCount val="4"/>
+                <c:pt idx="0">
+                  <c:v>25</c:v>
+                </c:pt>
+                <c:pt idx="1">
+                  <c:v>15</c:v>
+                </c:pt>
+                <c:pt idx="2">
+                  <c:v>10</c:v>
+                </c:pt>
+                <c:pt idx="3">
+                  <c:v>5</c:v>
+                </c:pt>
+              </c:numCache>
+            </c:numRef>
+          </c:val>
+        </c:ser>
+        <c:firstSliceAng val="0"/>
+      </c:pieChart>
+      <c:spPr>
+        <a:noFill/>
+        <a:ln>
+          <a:noFill/>
+        </a:ln>
+        <a:effectLst/>
+      </c:spPr>
+    </c:plotArea>
+    <c:legend>
+      <c:legendPos val="b"/>
+      <c:overlay val="0"/>
+    </c:legend>
+    <c:plotVisOnly val="1"/>
+    <c:dispBlanksAs val="span"/>
+  </c:chart>
+  <c:spPr>
+    <a:solidFill>
+      <a:srgbClr val="F1F1F1"/>
+    </a:solidFill>
     <a:ln>
       <a:noFill/>
     </a:ln>
@@ -1301,6 +1540,94 @@
 </p:notes>
 </file>
 
+<file path=ppt/notesSlides/notesSlide3.xml><?xml version="1.0" encoding="utf-8"?>
+<p:notes xmlns:a="http://schemas.openxmlformats.org/drawingml/2006/main" xmlns:r="http://schemas.openxmlformats.org/officeDocument/2006/relationships" xmlns:p="http://schemas.openxmlformats.org/presentationml/2006/main">
+  <p:cSld>
+    <p:spTree>
+      <p:nvGrpSpPr>
+        <p:cNvPr id="1" name=""/>
+        <p:cNvGrpSpPr/>
+        <p:nvPr/>
+      </p:nvGrpSpPr>
+      <p:grpSpPr>
+        <a:xfrm>
+          <a:off x="0" y="0"/>
+          <a:ext cx="0" cy="0"/>
+          <a:chOff x="0" y="0"/>
+          <a:chExt cx="0" cy="0"/>
+        </a:xfrm>
+      </p:grpSpPr>
+      <p:sp>
+        <p:nvSpPr>
+          <p:cNvPr id="2" name="Slide Image Placeholder 1"/>
+          <p:cNvSpPr>
+            <a:spLocks noGrp="1" noRot="1" noChangeAspect="1"/>
+          </p:cNvSpPr>
+          <p:nvPr>
+            <p:ph type="sldImg"/>
+          </p:nvPr>
+        </p:nvSpPr>
+        <p:spPr/>
+      </p:sp>
+      <p:sp>
+        <p:nvSpPr>
+          <p:cNvPr id="3" name="Notes Placeholder 2"/>
+          <p:cNvSpPr>
+            <a:spLocks noGrp="1"/>
+          </p:cNvSpPr>
+          <p:nvPr>
+            <p:ph type="body" idx="1"/>
+          </p:nvPr>
+        </p:nvSpPr>
+        <p:spPr/>
+        <p:txBody>
+          <a:bodyPr/>
+          <a:lstStyle/>
+          <a:p>
+            <a:r>
+              <a:rPr lang="en-US" dirty="0"/>
+              <a:t/>
+            </a:r>
+            <a:endParaRPr lang="en-US" dirty="0"/>
+          </a:p>
+        </p:txBody>
+      </p:sp>
+      <p:sp>
+        <p:nvSpPr>
+          <p:cNvPr id="4" name="Slide Number Placeholder 3"/>
+          <p:cNvSpPr>
+            <a:spLocks noGrp="1"/>
+          </p:cNvSpPr>
+          <p:nvPr>
+            <p:ph type="sldNum" sz="quarter" idx="10"/>
+          </p:nvPr>
+        </p:nvSpPr>
+        <p:spPr/>
+        <p:txBody>
+          <a:bodyPr/>
+          <a:lstStyle/>
+          <a:p>
+            <a:fld id="{F7021451-1387-4CA6-816F-3879F97B5CBC}" type="slidenum">
+              <a:rPr lang="en-US"/>
+              <a:t>3</a:t>
+            </a:fld>
+            <a:endParaRPr lang="en-US"/>
+          </a:p>
+        </p:txBody>
+      </p:sp>
+    </p:spTree>
+    <p:extLst>
+      <p:ext uri="{BB962C8B-B14F-4D97-AF65-F5344CB8AC3E}">
+        <p14:creationId xmlns:p14="http://schemas.microsoft.com/office/powerpoint/2010/main" val="1024086991"/>
+      </p:ext>
+    </p:extLst>
+  </p:cSld>
+  <p:clrMapOvr>
+    <a:masterClrMapping/>
+  </p:clrMapOvr>
+</p:notes>
+</file>
+
 <file path=ppt/slideLayouts/slideLayout1.xml><?xml version="1.0" encoding="utf-8"?>
 <p:sldLayout xmlns:a="http://schemas.openxmlformats.org/drawingml/2006/main" xmlns:r="http://schemas.openxmlformats.org/officeDocument/2006/relationships" xmlns:p="http://schemas.openxmlformats.org/presentationml/2006/main" preserve="1">
   <p:cSld name="DEFAULT">
@@ -1690,6 +2017,47 @@
 </p:sld>
 </file>
 
+<file path=ppt/slides/slide3.xml><?xml version="1.0" encoding="utf-8"?>
+<p:sld xmlns:a="http://schemas.openxmlformats.org/drawingml/2006/main" xmlns:r="http://schemas.openxmlformats.org/officeDocument/2006/relationships" xmlns:p="http://schemas.openxmlformats.org/presentationml/2006/main">
+  <p:cSld name="Slide 3">
+    <p:spTree>
+      <p:nvGrpSpPr>
+        <p:cNvPr id="1" name=""/>
+        <p:cNvGrpSpPr/>
+        <p:nvPr/>
+      </p:nvGrpSpPr>
+      <p:grpSpPr>
+        <a:xfrm>
+          <a:off x="0" y="0"/>
+          <a:ext cx="0" cy="0"/>
+          <a:chOff x="0" y="0"/>
+          <a:chExt cx="0" cy="0"/>
+        </a:xfrm>
+      </p:grpSpPr>
+      <p:graphicFrame>
+        <p:nvGraphicFramePr>
+          <p:cNvPr id="2" name="Chart 0" descr=""/>
+          <p:cNvGraphicFramePr/>
+          <p:nvPr/>
+        </p:nvGraphicFramePr>
+        <p:xfrm>
+          <a:off x="4572000" y="1280160"/>
+          <a:ext cx="4572000" cy="2571750"/>
+        </p:xfrm>
+        <a:graphic xmlns:a="http://schemas.openxmlformats.org/drawingml/2006/main">
+          <a:graphicData uri="http://schemas.openxmlformats.org/drawingml/2006/chart">
+            <c:chart xmlns:c="http://schemas.openxmlformats.org/drawingml/2006/chart" r:id="rId1"/>
+          </a:graphicData>
+        </a:graphic>
+      </p:graphicFrame>
+    </p:spTree>
+  </p:cSld>
+  <p:clrMapOvr>
+    <a:masterClrMapping/>
+  </p:clrMapOvr>
+</p:sld>
+</file>
+
 <file path=ppt/theme/theme1.xml><?xml version="1.0" encoding="utf-8"?>
 <a:theme xmlns:a="http://schemas.openxmlformats.org/drawingml/2006/main" name="Office Theme">
   <a:themeElements>

--- a/my-presentation.pptx
+++ b/my-presentation.pptx
@@ -109,7 +109,7 @@
 </p:presentation>
 </file>
 
-<file path=ppt/charts/chart4.xml><?xml version="1.0" encoding="utf-8"?>
+<file path=ppt/charts/chart1.xml><?xml version="1.0" encoding="utf-8"?>
 <c:chartSpace xmlns:c="http://schemas.openxmlformats.org/drawingml/2006/chart" xmlns:a="http://schemas.openxmlformats.org/drawingml/2006/main" xmlns:r="http://schemas.openxmlformats.org/officeDocument/2006/relationships">
   <c:date1904 val="0"/>
   <c:roundedCorners val="1"/>
@@ -443,7 +443,7 @@
 </c:chartSpace>
 </file>
 
-<file path=ppt/charts/chart5.xml><?xml version="1.0" encoding="utf-8"?>
+<file path=ppt/charts/chart2.xml><?xml version="1.0" encoding="utf-8"?>
 <c:chartSpace xmlns:c="http://schemas.openxmlformats.org/drawingml/2006/chart" xmlns:a="http://schemas.openxmlformats.org/drawingml/2006/main" xmlns:r="http://schemas.openxmlformats.org/officeDocument/2006/relationships">
   <c:date1904 val="0"/>
   <c:roundedCorners val="1"/>
@@ -683,7 +683,7 @@
 </c:chartSpace>
 </file>
 
-<file path=ppt/charts/chart6.xml><?xml version="1.0" encoding="utf-8"?>
+<file path=ppt/charts/chart3.xml><?xml version="1.0" encoding="utf-8"?>
 <c:chartSpace xmlns:c="http://schemas.openxmlformats.org/drawingml/2006/chart" xmlns:a="http://schemas.openxmlformats.org/drawingml/2006/main" xmlns:r="http://schemas.openxmlformats.org/officeDocument/2006/relationships">
   <c:date1904 val="0"/>
   <c:roundedCorners val="1"/>
@@ -720,7 +720,7 @@
     <c:autoTitleDeleted val="0"/>
     <c:plotArea>
       <c:layout/>
-      <c:pieChart>
+      <c:doughnutChart>
         <c:varyColors val="1"/>
         <c:ser>
           <c:idx val="0"/>
@@ -933,7 +933,6 @@
                 </a:pPr>
               </a:p>
             </c:txPr>
-            <c:dLblPos val="ctr"/>
             <c:showLegendKey val="0"/>
             <c:showVal val="0"/>
             <c:showCatName val="1"/>
@@ -984,7 +983,8 @@
           </c:val>
         </c:ser>
         <c:firstSliceAng val="0"/>
-      </c:pieChart>
+        <c:holeSize val="80"/>
+      </c:doughnutChart>
       <c:spPr>
         <a:noFill/>
         <a:ln>
